--- a/manuscript/figures.pptx
+++ b/manuscript/figures.pptx
@@ -217,7 +217,7 @@
           <a:p>
             <a:fld id="{CF2F0E66-293F-CC46-9AB8-8B56DBACB9A9}" type="datetimeFigureOut">
               <a:rPr lang="en-US" smtClean="0"/>
-              <a:t>1/20/23</a:t>
+              <a:t>1/17/24</a:t>
             </a:fld>
             <a:endParaRPr lang="en-US"/>
           </a:p>
@@ -843,7 +843,7 @@
           <a:p>
             <a:fld id="{6ED693A4-30EC-A649-99A7-32ECA4279528}" type="datetimeFigureOut">
               <a:rPr lang="en-US" smtClean="0"/>
-              <a:t>1/20/23</a:t>
+              <a:t>1/17/24</a:t>
             </a:fld>
             <a:endParaRPr lang="en-US"/>
           </a:p>
@@ -1013,7 +1013,7 @@
           <a:p>
             <a:fld id="{6ED693A4-30EC-A649-99A7-32ECA4279528}" type="datetimeFigureOut">
               <a:rPr lang="en-US" smtClean="0"/>
-              <a:t>1/20/23</a:t>
+              <a:t>1/17/24</a:t>
             </a:fld>
             <a:endParaRPr lang="en-US"/>
           </a:p>
@@ -1193,7 +1193,7 @@
           <a:p>
             <a:fld id="{6ED693A4-30EC-A649-99A7-32ECA4279528}" type="datetimeFigureOut">
               <a:rPr lang="en-US" smtClean="0"/>
-              <a:t>1/20/23</a:t>
+              <a:t>1/17/24</a:t>
             </a:fld>
             <a:endParaRPr lang="en-US"/>
           </a:p>
@@ -1363,7 +1363,7 @@
           <a:p>
             <a:fld id="{6ED693A4-30EC-A649-99A7-32ECA4279528}" type="datetimeFigureOut">
               <a:rPr lang="en-US" smtClean="0"/>
-              <a:t>1/20/23</a:t>
+              <a:t>1/17/24</a:t>
             </a:fld>
             <a:endParaRPr lang="en-US"/>
           </a:p>
@@ -1607,7 +1607,7 @@
           <a:p>
             <a:fld id="{6ED693A4-30EC-A649-99A7-32ECA4279528}" type="datetimeFigureOut">
               <a:rPr lang="en-US" smtClean="0"/>
-              <a:t>1/20/23</a:t>
+              <a:t>1/17/24</a:t>
             </a:fld>
             <a:endParaRPr lang="en-US"/>
           </a:p>
@@ -1839,7 +1839,7 @@
           <a:p>
             <a:fld id="{6ED693A4-30EC-A649-99A7-32ECA4279528}" type="datetimeFigureOut">
               <a:rPr lang="en-US" smtClean="0"/>
-              <a:t>1/20/23</a:t>
+              <a:t>1/17/24</a:t>
             </a:fld>
             <a:endParaRPr lang="en-US"/>
           </a:p>
@@ -2206,7 +2206,7 @@
           <a:p>
             <a:fld id="{6ED693A4-30EC-A649-99A7-32ECA4279528}" type="datetimeFigureOut">
               <a:rPr lang="en-US" smtClean="0"/>
-              <a:t>1/20/23</a:t>
+              <a:t>1/17/24</a:t>
             </a:fld>
             <a:endParaRPr lang="en-US"/>
           </a:p>
@@ -2324,7 +2324,7 @@
           <a:p>
             <a:fld id="{6ED693A4-30EC-A649-99A7-32ECA4279528}" type="datetimeFigureOut">
               <a:rPr lang="en-US" smtClean="0"/>
-              <a:t>1/20/23</a:t>
+              <a:t>1/17/24</a:t>
             </a:fld>
             <a:endParaRPr lang="en-US"/>
           </a:p>
@@ -2419,7 +2419,7 @@
           <a:p>
             <a:fld id="{6ED693A4-30EC-A649-99A7-32ECA4279528}" type="datetimeFigureOut">
               <a:rPr lang="en-US" smtClean="0"/>
-              <a:t>1/20/23</a:t>
+              <a:t>1/17/24</a:t>
             </a:fld>
             <a:endParaRPr lang="en-US"/>
           </a:p>
@@ -2696,7 +2696,7 @@
           <a:p>
             <a:fld id="{6ED693A4-30EC-A649-99A7-32ECA4279528}" type="datetimeFigureOut">
               <a:rPr lang="en-US" smtClean="0"/>
-              <a:t>1/20/23</a:t>
+              <a:t>1/17/24</a:t>
             </a:fld>
             <a:endParaRPr lang="en-US"/>
           </a:p>
@@ -2953,7 +2953,7 @@
           <a:p>
             <a:fld id="{6ED693A4-30EC-A649-99A7-32ECA4279528}" type="datetimeFigureOut">
               <a:rPr lang="en-US" smtClean="0"/>
-              <a:t>1/20/23</a:t>
+              <a:t>1/17/24</a:t>
             </a:fld>
             <a:endParaRPr lang="en-US"/>
           </a:p>
@@ -3166,7 +3166,7 @@
           <a:p>
             <a:fld id="{6ED693A4-30EC-A649-99A7-32ECA4279528}" type="datetimeFigureOut">
               <a:rPr lang="en-US" smtClean="0"/>
-              <a:t>1/20/23</a:t>
+              <a:t>1/17/24</a:t>
             </a:fld>
             <a:endParaRPr lang="en-US"/>
           </a:p>
@@ -10586,60 +10586,6 @@
         </p:sp>
         <p:sp>
           <p:nvSpPr>
-            <p:cNvPr id="23" name="Rectangle 22">
-              <a:extLst>
-                <a:ext uri="{FF2B5EF4-FFF2-40B4-BE49-F238E27FC236}">
-                  <a16:creationId xmlns:a16="http://schemas.microsoft.com/office/drawing/2014/main" id="{F6E339A2-AD09-377F-6ABD-B5B5311BAAC8}"/>
-                </a:ext>
-              </a:extLst>
-            </p:cNvPr>
-            <p:cNvSpPr/>
-            <p:nvPr/>
-          </p:nvSpPr>
-          <p:spPr>
-            <a:xfrm>
-              <a:off x="2347467" y="3736775"/>
-              <a:ext cx="1691133" cy="707886"/>
-            </a:xfrm>
-            <a:prstGeom prst="rect">
-              <a:avLst/>
-            </a:prstGeom>
-          </p:spPr>
-          <p:txBody>
-            <a:bodyPr wrap="square">
-              <a:spAutoFit/>
-            </a:bodyPr>
-            <a:lstStyle/>
-            <a:p>
-              <a:pPr algn="ctr"/>
-              <a:r>
-                <a:rPr lang="en-US" sz="2000" dirty="0">
-                  <a:solidFill>
-                    <a:schemeClr val="accent6">
-                      <a:lumMod val="75000"/>
-                    </a:schemeClr>
-                  </a:solidFill>
-                </a:rPr>
-                <a:t>Tropical </a:t>
-              </a:r>
-            </a:p>
-            <a:p>
-              <a:pPr algn="ctr"/>
-              <a:r>
-                <a:rPr lang="en-US" sz="2000" dirty="0">
-                  <a:solidFill>
-                    <a:schemeClr val="accent6">
-                      <a:lumMod val="75000"/>
-                    </a:schemeClr>
-                  </a:solidFill>
-                </a:rPr>
-                <a:t>Zone</a:t>
-              </a:r>
-            </a:p>
-          </p:txBody>
-        </p:sp>
-        <p:sp>
-          <p:nvSpPr>
             <p:cNvPr id="24" name="Oval 23">
               <a:extLst>
                 <a:ext uri="{FF2B5EF4-FFF2-40B4-BE49-F238E27FC236}">
@@ -10715,7 +10661,7 @@
           <p:spPr>
             <a:xfrm>
               <a:off x="328457" y="2271339"/>
-              <a:ext cx="3572147" cy="1323439"/>
+              <a:ext cx="3572147" cy="707886"/>
             </a:xfrm>
             <a:prstGeom prst="rect">
               <a:avLst/>
@@ -10735,23 +10681,171 @@
                     <a:srgbClr val="002060"/>
                   </a:solidFill>
                 </a:rPr>
-                <a:t>Temperate </a:t>
-              </a:r>
-            </a:p>
-            <a:p>
-              <a:pPr algn="ctr"/>
-              <a:r>
-                <a:rPr lang="en-US" sz="4000" dirty="0">
-                  <a:solidFill>
-                    <a:srgbClr val="002060"/>
-                  </a:solidFill>
-                </a:rPr>
-                <a:t>Zone</a:t>
+                <a:t>Ecosystems</a:t>
               </a:r>
             </a:p>
           </p:txBody>
         </p:sp>
       </p:grpSp>
+      <p:sp>
+        <p:nvSpPr>
+          <p:cNvPr id="7" name="TextBox 6">
+            <a:extLst>
+              <a:ext uri="{FF2B5EF4-FFF2-40B4-BE49-F238E27FC236}">
+                <a16:creationId xmlns:a16="http://schemas.microsoft.com/office/drawing/2014/main" id="{3CE12657-D763-F510-EDE6-16A33A7117D9}"/>
+              </a:ext>
+            </a:extLst>
+          </p:cNvPr>
+          <p:cNvSpPr txBox="1"/>
+          <p:nvPr/>
+        </p:nvSpPr>
+        <p:spPr>
+          <a:xfrm>
+            <a:off x="1001485" y="1666408"/>
+            <a:ext cx="2286000" cy="369332"/>
+          </a:xfrm>
+          <a:prstGeom prst="rect">
+            <a:avLst/>
+          </a:prstGeom>
+          <a:noFill/>
+        </p:spPr>
+        <p:txBody>
+          <a:bodyPr wrap="square">
+            <a:spAutoFit/>
+          </a:bodyPr>
+          <a:lstStyle/>
+          <a:p>
+            <a:pPr algn="ctr"/>
+            <a:r>
+              <a:rPr lang="en-US" sz="1800" i="1" dirty="0">
+                <a:solidFill>
+                  <a:schemeClr val="tx1">
+                    <a:lumMod val="50000"/>
+                    <a:lumOff val="50000"/>
+                  </a:schemeClr>
+                </a:solidFill>
+              </a:rPr>
+              <a:t>The Temperate</a:t>
+            </a:r>
+            <a:r>
+              <a:rPr lang="en-US" i="1" dirty="0">
+                <a:solidFill>
+                  <a:schemeClr val="tx1">
+                    <a:lumMod val="50000"/>
+                    <a:lumOff val="50000"/>
+                  </a:schemeClr>
+                </a:solidFill>
+              </a:rPr>
+              <a:t> Zone</a:t>
+            </a:r>
+            <a:endParaRPr lang="en-US" sz="1800" i="1" dirty="0">
+              <a:solidFill>
+                <a:schemeClr val="tx1">
+                  <a:lumMod val="50000"/>
+                  <a:lumOff val="50000"/>
+                </a:schemeClr>
+              </a:solidFill>
+            </a:endParaRPr>
+          </a:p>
+        </p:txBody>
+      </p:sp>
+      <p:sp>
+        <p:nvSpPr>
+          <p:cNvPr id="8" name="TextBox 7">
+            <a:extLst>
+              <a:ext uri="{FF2B5EF4-FFF2-40B4-BE49-F238E27FC236}">
+                <a16:creationId xmlns:a16="http://schemas.microsoft.com/office/drawing/2014/main" id="{F4D5956E-435A-5E43-88F5-5580EB324153}"/>
+              </a:ext>
+            </a:extLst>
+          </p:cNvPr>
+          <p:cNvSpPr txBox="1"/>
+          <p:nvPr/>
+        </p:nvSpPr>
+        <p:spPr>
+          <a:xfrm>
+            <a:off x="2729312" y="3017002"/>
+            <a:ext cx="987352" cy="276999"/>
+          </a:xfrm>
+          <a:prstGeom prst="rect">
+            <a:avLst/>
+          </a:prstGeom>
+          <a:noFill/>
+        </p:spPr>
+        <p:txBody>
+          <a:bodyPr wrap="square">
+            <a:spAutoFit/>
+          </a:bodyPr>
+          <a:lstStyle/>
+          <a:p>
+            <a:pPr algn="ctr"/>
+            <a:r>
+              <a:rPr lang="en-US" sz="1200" i="1" dirty="0">
+                <a:solidFill>
+                  <a:schemeClr val="tx1">
+                    <a:lumMod val="50000"/>
+                    <a:lumOff val="50000"/>
+                  </a:schemeClr>
+                </a:solidFill>
+              </a:rPr>
+              <a:t>(The Tropics)</a:t>
+            </a:r>
+          </a:p>
+        </p:txBody>
+      </p:sp>
+      <p:sp>
+        <p:nvSpPr>
+          <p:cNvPr id="9" name="Rectangle 8">
+            <a:extLst>
+              <a:ext uri="{FF2B5EF4-FFF2-40B4-BE49-F238E27FC236}">
+                <a16:creationId xmlns:a16="http://schemas.microsoft.com/office/drawing/2014/main" id="{436DEA0E-367C-3395-CDDC-802C8721FEA0}"/>
+              </a:ext>
+            </a:extLst>
+          </p:cNvPr>
+          <p:cNvSpPr/>
+          <p:nvPr/>
+        </p:nvSpPr>
+        <p:spPr>
+          <a:xfrm>
+            <a:off x="2555447" y="2542172"/>
+            <a:ext cx="1335082" cy="584775"/>
+          </a:xfrm>
+          <a:prstGeom prst="rect">
+            <a:avLst/>
+          </a:prstGeom>
+        </p:spPr>
+        <p:txBody>
+          <a:bodyPr wrap="square">
+            <a:spAutoFit/>
+          </a:bodyPr>
+          <a:lstStyle/>
+          <a:p>
+            <a:pPr algn="ctr"/>
+            <a:r>
+              <a:rPr lang="en-US" sz="1600" dirty="0">
+                <a:solidFill>
+                  <a:schemeClr val="accent6">
+                    <a:lumMod val="75000"/>
+                  </a:schemeClr>
+                </a:solidFill>
+              </a:rPr>
+              <a:t>‘Unique’</a:t>
+            </a:r>
+          </a:p>
+          <a:p>
+            <a:pPr algn="ctr"/>
+            <a:r>
+              <a:rPr lang="en-US" sz="1600" dirty="0">
+                <a:solidFill>
+                  <a:schemeClr val="accent6">
+                    <a:lumMod val="75000"/>
+                  </a:schemeClr>
+                </a:solidFill>
+              </a:rPr>
+              <a:t>Ecosystems</a:t>
+            </a:r>
+          </a:p>
+        </p:txBody>
+      </p:sp>
     </p:spTree>
     <p:extLst>
       <p:ext uri="{BB962C8B-B14F-4D97-AF65-F5344CB8AC3E}">
